--- a/AdvancedRegressionTechniques.pptx
+++ b/AdvancedRegressionTechniques.pptx
@@ -523,28 +523,10 @@
           <a:bodyPr/>
           <a:lstStyle/>
           <a:p>
-            <a:pPr marL="0" marR="0" lvl="0" indent="0" algn="l" defTabSz="914400" rtl="0" eaLnBrk="1" fontAlgn="auto" latinLnBrk="0" hangingPunct="1">
-              <a:lnSpc>
-                <a:spcPct val="100000"/>
-              </a:lnSpc>
-              <a:spcBef>
-                <a:spcPts val="0"/>
-              </a:spcBef>
-              <a:spcAft>
-                <a:spcPts val="0"/>
-              </a:spcAft>
-              <a:buClrTx/>
-              <a:buSzTx/>
-              <a:buFontTx/>
-              <a:buNone/>
-              <a:tabLst/>
-              <a:defRPr/>
-            </a:pPr>
-            <a:endParaRPr lang="en-GB" sz="1200" kern="1200" dirty="0">
+            <a:endParaRPr lang="en-US" sz="1200" b="0" i="0" u="none" strike="noStrike" kern="1200" baseline="0" dirty="0">
               <a:solidFill>
                 <a:schemeClr val="tx1"/>
               </a:solidFill>
-              <a:effectLst/>
               <a:latin typeface="+mn-lt"/>
               <a:ea typeface="+mn-ea"/>
               <a:cs typeface="+mn-cs"/>
@@ -632,23 +614,6 @@
           <a:bodyPr/>
           <a:lstStyle/>
           <a:p>
-            <a:pPr marL="0" marR="0" lvl="0" indent="0" algn="l" defTabSz="914400" rtl="0" eaLnBrk="1" fontAlgn="auto" latinLnBrk="0" hangingPunct="1">
-              <a:lnSpc>
-                <a:spcPct val="100000"/>
-              </a:lnSpc>
-              <a:spcBef>
-                <a:spcPts val="0"/>
-              </a:spcBef>
-              <a:spcAft>
-                <a:spcPts val="0"/>
-              </a:spcAft>
-              <a:buClrTx/>
-              <a:buSzTx/>
-              <a:buFontTx/>
-              <a:buNone/>
-              <a:tabLst/>
-              <a:defRPr/>
-            </a:pPr>
             <a:endParaRPr lang="en-GB" sz="1200" kern="1200" dirty="0">
               <a:solidFill>
                 <a:schemeClr val="tx1"/>
@@ -846,6 +811,90 @@
           <a:p>
             <a:fld id="{9F68BFA7-B5AA-400D-9376-141B5402B0B4}" type="slidenum">
               <a:rPr lang="en-GB" smtClean="0"/>
+              <a:t>6</a:t>
+            </a:fld>
+            <a:endParaRPr lang="en-GB"/>
+          </a:p>
+        </p:txBody>
+      </p:sp>
+    </p:spTree>
+    <p:extLst>
+      <p:ext uri="{BB962C8B-B14F-4D97-AF65-F5344CB8AC3E}">
+        <p14:creationId xmlns:p14="http://schemas.microsoft.com/office/powerpoint/2010/main" val="448880013"/>
+      </p:ext>
+    </p:extLst>
+  </p:cSld>
+  <p:clrMapOvr>
+    <a:masterClrMapping/>
+  </p:clrMapOvr>
+</p:notes>
+</file>
+
+<file path=ppt/notesSlides/notesSlide5.xml><?xml version="1.0" encoding="utf-8"?>
+<p:notes xmlns:a="http://schemas.openxmlformats.org/drawingml/2006/main" xmlns:r="http://schemas.openxmlformats.org/officeDocument/2006/relationships" xmlns:p="http://schemas.openxmlformats.org/presentationml/2006/main">
+  <p:cSld>
+    <p:spTree>
+      <p:nvGrpSpPr>
+        <p:cNvPr id="1" name=""/>
+        <p:cNvGrpSpPr/>
+        <p:nvPr/>
+      </p:nvGrpSpPr>
+      <p:grpSpPr>
+        <a:xfrm>
+          <a:off x="0" y="0"/>
+          <a:ext cx="0" cy="0"/>
+          <a:chOff x="0" y="0"/>
+          <a:chExt cx="0" cy="0"/>
+        </a:xfrm>
+      </p:grpSpPr>
+      <p:sp>
+        <p:nvSpPr>
+          <p:cNvPr id="2" name="Slide Image Placeholder 1"/>
+          <p:cNvSpPr>
+            <a:spLocks noGrp="1" noRot="1" noChangeAspect="1"/>
+          </p:cNvSpPr>
+          <p:nvPr>
+            <p:ph type="sldImg"/>
+          </p:nvPr>
+        </p:nvSpPr>
+        <p:spPr/>
+      </p:sp>
+      <p:sp>
+        <p:nvSpPr>
+          <p:cNvPr id="3" name="Notes Placeholder 2"/>
+          <p:cNvSpPr>
+            <a:spLocks noGrp="1"/>
+          </p:cNvSpPr>
+          <p:nvPr>
+            <p:ph type="body" idx="1"/>
+          </p:nvPr>
+        </p:nvSpPr>
+        <p:spPr/>
+        <p:txBody>
+          <a:bodyPr/>
+          <a:lstStyle/>
+          <a:p>
+            <a:endParaRPr lang="en-GB" dirty="0"/>
+          </a:p>
+        </p:txBody>
+      </p:sp>
+      <p:sp>
+        <p:nvSpPr>
+          <p:cNvPr id="4" name="Slide Number Placeholder 3"/>
+          <p:cNvSpPr>
+            <a:spLocks noGrp="1"/>
+          </p:cNvSpPr>
+          <p:nvPr>
+            <p:ph type="sldNum" sz="quarter" idx="10"/>
+          </p:nvPr>
+        </p:nvSpPr>
+        <p:spPr/>
+        <p:txBody>
+          <a:bodyPr/>
+          <a:lstStyle/>
+          <a:p>
+            <a:fld id="{9F68BFA7-B5AA-400D-9376-141B5402B0B4}" type="slidenum">
+              <a:rPr lang="en-GB" smtClean="0"/>
               <a:t>11</a:t>
             </a:fld>
             <a:endParaRPr lang="en-GB"/>
@@ -856,6 +905,90 @@
     <p:extLst>
       <p:ext uri="{BB962C8B-B14F-4D97-AF65-F5344CB8AC3E}">
         <p14:creationId xmlns:p14="http://schemas.microsoft.com/office/powerpoint/2010/main" val="444821017"/>
+      </p:ext>
+    </p:extLst>
+  </p:cSld>
+  <p:clrMapOvr>
+    <a:masterClrMapping/>
+  </p:clrMapOvr>
+</p:notes>
+</file>
+
+<file path=ppt/notesSlides/notesSlide6.xml><?xml version="1.0" encoding="utf-8"?>
+<p:notes xmlns:a="http://schemas.openxmlformats.org/drawingml/2006/main" xmlns:r="http://schemas.openxmlformats.org/officeDocument/2006/relationships" xmlns:p="http://schemas.openxmlformats.org/presentationml/2006/main">
+  <p:cSld>
+    <p:spTree>
+      <p:nvGrpSpPr>
+        <p:cNvPr id="1" name=""/>
+        <p:cNvGrpSpPr/>
+        <p:nvPr/>
+      </p:nvGrpSpPr>
+      <p:grpSpPr>
+        <a:xfrm>
+          <a:off x="0" y="0"/>
+          <a:ext cx="0" cy="0"/>
+          <a:chOff x="0" y="0"/>
+          <a:chExt cx="0" cy="0"/>
+        </a:xfrm>
+      </p:grpSpPr>
+      <p:sp>
+        <p:nvSpPr>
+          <p:cNvPr id="2" name="Slide Image Placeholder 1"/>
+          <p:cNvSpPr>
+            <a:spLocks noGrp="1" noRot="1" noChangeAspect="1"/>
+          </p:cNvSpPr>
+          <p:nvPr>
+            <p:ph type="sldImg"/>
+          </p:nvPr>
+        </p:nvSpPr>
+        <p:spPr/>
+      </p:sp>
+      <p:sp>
+        <p:nvSpPr>
+          <p:cNvPr id="3" name="Notes Placeholder 2"/>
+          <p:cNvSpPr>
+            <a:spLocks noGrp="1"/>
+          </p:cNvSpPr>
+          <p:nvPr>
+            <p:ph type="body" idx="1"/>
+          </p:nvPr>
+        </p:nvSpPr>
+        <p:spPr/>
+        <p:txBody>
+          <a:bodyPr/>
+          <a:lstStyle/>
+          <a:p>
+            <a:endParaRPr lang="en-GB" dirty="0"/>
+          </a:p>
+        </p:txBody>
+      </p:sp>
+      <p:sp>
+        <p:nvSpPr>
+          <p:cNvPr id="4" name="Slide Number Placeholder 3"/>
+          <p:cNvSpPr>
+            <a:spLocks noGrp="1"/>
+          </p:cNvSpPr>
+          <p:nvPr>
+            <p:ph type="sldNum" sz="quarter" idx="10"/>
+          </p:nvPr>
+        </p:nvSpPr>
+        <p:spPr/>
+        <p:txBody>
+          <a:bodyPr/>
+          <a:lstStyle/>
+          <a:p>
+            <a:fld id="{9F68BFA7-B5AA-400D-9376-141B5402B0B4}" type="slidenum">
+              <a:rPr lang="en-GB" smtClean="0"/>
+              <a:t>15</a:t>
+            </a:fld>
+            <a:endParaRPr lang="en-GB"/>
+          </a:p>
+        </p:txBody>
+      </p:sp>
+    </p:spTree>
+    <p:extLst>
+      <p:ext uri="{BB962C8B-B14F-4D97-AF65-F5344CB8AC3E}">
+        <p14:creationId xmlns:p14="http://schemas.microsoft.com/office/powerpoint/2010/main" val="2400970427"/>
       </p:ext>
     </p:extLst>
   </p:cSld>
@@ -7006,8 +7139,8 @@
           <a:chExt cx="0" cy="0"/>
         </a:xfrm>
       </p:grpSpPr>
-      <mc:AlternateContent xmlns:mc="http://schemas.openxmlformats.org/markup-compatibility/2006" xmlns:a14="http://schemas.microsoft.com/office/drawing/2010/main">
-        <mc:Choice Requires="a14">
+      <mc:AlternateContent xmlns:mc="http://schemas.openxmlformats.org/markup-compatibility/2006">
+        <mc:Choice xmlns:a14="http://schemas.microsoft.com/office/drawing/2010/main" Requires="a14">
           <p:sp>
             <p:nvSpPr>
               <p:cNvPr id="2" name="Title 1">
@@ -7660,162 +7793,149 @@
                         </m:e>
                       </m:rad>
                     </m:oMath>
+                    <m:oMath xmlns:m="http://schemas.openxmlformats.org/officeDocument/2006/math">
+                      <m:sSub>
+                        <m:sSubPr>
+                          <m:ctrlPr>
+                            <a:rPr lang="en-GB" sz="1600" b="1" i="1">
+                              <a:latin typeface="Cambria Math" panose="02040503050406030204" pitchFamily="18" charset="0"/>
+                            </a:rPr>
+                          </m:ctrlPr>
+                        </m:sSubPr>
+                        <m:e>
+                          <m:r>
+                            <a:rPr lang="en-GB" sz="1600" b="1" i="1">
+                              <a:latin typeface="Cambria Math" panose="02040503050406030204" pitchFamily="18" charset="0"/>
+                            </a:rPr>
+                            <m:t>||</m:t>
+                          </m:r>
+                          <m:r>
+                            <a:rPr lang="en-GB" sz="1600" b="1" i="1">
+                              <a:latin typeface="Cambria Math" panose="02040503050406030204" pitchFamily="18" charset="0"/>
+                              <a:ea typeface="Cambria Math" panose="02040503050406030204" pitchFamily="18" charset="0"/>
+                            </a:rPr>
+                            <m:t>𝜷</m:t>
+                          </m:r>
+                          <m:r>
+                            <a:rPr lang="en-GB" sz="1600" b="1" i="1">
+                              <a:latin typeface="Cambria Math" panose="02040503050406030204" pitchFamily="18" charset="0"/>
+                            </a:rPr>
+                            <m:t>||</m:t>
+                          </m:r>
+                        </m:e>
+                        <m:sub>
+                          <m:r>
+                            <a:rPr lang="en-GB" sz="1600" b="1" i="1">
+                              <a:latin typeface="Cambria Math" panose="02040503050406030204" pitchFamily="18" charset="0"/>
+                            </a:rPr>
+                            <m:t>𝟏</m:t>
+                          </m:r>
+                        </m:sub>
+                      </m:sSub>
+                      <m:r>
+                        <a:rPr lang="en-GB" sz="1600" b="1" i="1">
+                          <a:latin typeface="Cambria Math" panose="02040503050406030204" pitchFamily="18" charset="0"/>
+                        </a:rPr>
+                        <m:t>=</m:t>
+                      </m:r>
+                      <m:d>
+                        <m:dPr>
+                          <m:begChr m:val="|"/>
+                          <m:endChr m:val="|"/>
+                          <m:ctrlPr>
+                            <a:rPr lang="en-GB" sz="1600" b="1" i="1">
+                              <a:latin typeface="Cambria Math" panose="02040503050406030204" pitchFamily="18" charset="0"/>
+                            </a:rPr>
+                          </m:ctrlPr>
+                        </m:dPr>
+                        <m:e>
+                          <m:d>
+                            <m:dPr>
+                              <m:begChr m:val="|"/>
+                              <m:endChr m:val="|"/>
+                              <m:ctrlPr>
+                                <a:rPr lang="en-GB" sz="1600" b="1" i="1">
+                                  <a:latin typeface="Cambria Math" panose="02040503050406030204" pitchFamily="18" charset="0"/>
+                                </a:rPr>
+                              </m:ctrlPr>
+                            </m:dPr>
+                            <m:e>
+                              <m:sSub>
+                                <m:sSubPr>
+                                  <m:ctrlPr>
+                                    <a:rPr lang="en-GB" sz="1600" b="1" i="1">
+                                      <a:latin typeface="Cambria Math" panose="02040503050406030204" pitchFamily="18" charset="0"/>
+                                    </a:rPr>
+                                  </m:ctrlPr>
+                                </m:sSubPr>
+                                <m:e>
+                                  <m:r>
+                                    <a:rPr lang="en-GB" sz="1600" b="1" i="1">
+                                      <a:latin typeface="Cambria Math" panose="02040503050406030204" pitchFamily="18" charset="0"/>
+                                      <a:ea typeface="Cambria Math" panose="02040503050406030204" pitchFamily="18" charset="0"/>
+                                    </a:rPr>
+                                    <m:t>𝜷</m:t>
+                                  </m:r>
+                                </m:e>
+                                <m:sub>
+                                  <m:r>
+                                    <a:rPr lang="en-GB" sz="1600" b="1" i="1">
+                                      <a:latin typeface="Cambria Math" panose="02040503050406030204" pitchFamily="18" charset="0"/>
+                                    </a:rPr>
+                                    <m:t>𝟎</m:t>
+                                  </m:r>
+                                </m:sub>
+                              </m:sSub>
+                            </m:e>
+                          </m:d>
+                        </m:e>
+                      </m:d>
+                      <m:r>
+                        <a:rPr lang="en-GB" sz="1600" b="1" i="1">
+                          <a:latin typeface="Cambria Math" panose="02040503050406030204" pitchFamily="18" charset="0"/>
+                        </a:rPr>
+                        <m:t>+ </m:t>
+                      </m:r>
+                      <m:sSub>
+                        <m:sSubPr>
+                          <m:ctrlPr>
+                            <a:rPr lang="en-GB" sz="1600" b="1" i="1">
+                              <a:latin typeface="Cambria Math" panose="02040503050406030204" pitchFamily="18" charset="0"/>
+                            </a:rPr>
+                          </m:ctrlPr>
+                        </m:sSubPr>
+                        <m:e>
+                          <m:r>
+                            <a:rPr lang="en-GB" sz="1600" b="1" i="1">
+                              <a:latin typeface="Cambria Math" panose="02040503050406030204" pitchFamily="18" charset="0"/>
+                            </a:rPr>
+                            <m:t>||</m:t>
+                          </m:r>
+                          <m:r>
+                            <a:rPr lang="en-GB" sz="1600" b="1" i="1">
+                              <a:latin typeface="Cambria Math" panose="02040503050406030204" pitchFamily="18" charset="0"/>
+                              <a:ea typeface="Cambria Math" panose="02040503050406030204" pitchFamily="18" charset="0"/>
+                            </a:rPr>
+                            <m:t>𝜷</m:t>
+                          </m:r>
+                        </m:e>
+                        <m:sub>
+                          <m:r>
+                            <a:rPr lang="en-GB" sz="1600" b="1" i="1">
+                              <a:latin typeface="Cambria Math" panose="02040503050406030204" pitchFamily="18" charset="0"/>
+                            </a:rPr>
+                            <m:t>𝟏</m:t>
+                          </m:r>
+                        </m:sub>
+                      </m:sSub>
+                      <m:r>
+                        <a:rPr lang="en-GB" sz="1600" b="1" i="1">
+                          <a:latin typeface="Cambria Math" panose="02040503050406030204" pitchFamily="18" charset="0"/>
+                        </a:rPr>
+                        <m:t>||</m:t>
+                      </m:r>
+                    </m:oMath>
                   </m:oMathPara>
-                </a14:m>
-                <a:br>
-                  <a:rPr lang="en-GB" sz="1600" b="1" dirty="0">
-                    <a:latin typeface="+mn-lt"/>
-                  </a:rPr>
-                </a:br>
-                <a:r>
-                  <a:rPr lang="en-GB" sz="1600" b="1" dirty="0">
-                    <a:latin typeface="+mn-lt"/>
-                  </a:rPr>
-                  <a:t> </a:t>
-                </a:r>
-                <a14:m>
-                  <m:oMath xmlns:m="http://schemas.openxmlformats.org/officeDocument/2006/math">
-                    <m:sSub>
-                      <m:sSubPr>
-                        <m:ctrlPr>
-                          <a:rPr lang="en-GB" sz="1600" b="1" i="1">
-                            <a:latin typeface="Cambria Math" panose="02040503050406030204" pitchFamily="18" charset="0"/>
-                          </a:rPr>
-                        </m:ctrlPr>
-                      </m:sSubPr>
-                      <m:e>
-                        <m:r>
-                          <a:rPr lang="en-GB" sz="1600" b="1" i="1">
-                            <a:latin typeface="Cambria Math" panose="02040503050406030204" pitchFamily="18" charset="0"/>
-                          </a:rPr>
-                          <m:t>||</m:t>
-                        </m:r>
-                        <m:r>
-                          <a:rPr lang="en-GB" sz="1600" b="1" i="1">
-                            <a:latin typeface="Cambria Math" panose="02040503050406030204" pitchFamily="18" charset="0"/>
-                            <a:ea typeface="Cambria Math" panose="02040503050406030204" pitchFamily="18" charset="0"/>
-                          </a:rPr>
-                          <m:t>𝜷</m:t>
-                        </m:r>
-                        <m:r>
-                          <a:rPr lang="en-GB" sz="1600" b="1" i="1">
-                            <a:latin typeface="Cambria Math" panose="02040503050406030204" pitchFamily="18" charset="0"/>
-                          </a:rPr>
-                          <m:t>||</m:t>
-                        </m:r>
-                      </m:e>
-                      <m:sub>
-                        <m:r>
-                          <a:rPr lang="en-GB" sz="1600" b="1" i="1">
-                            <a:latin typeface="Cambria Math" panose="02040503050406030204" pitchFamily="18" charset="0"/>
-                          </a:rPr>
-                          <m:t>𝟏</m:t>
-                        </m:r>
-                      </m:sub>
-                    </m:sSub>
-                    <m:r>
-                      <a:rPr lang="en-GB" sz="1600" b="1" i="1">
-                        <a:latin typeface="Cambria Math" panose="02040503050406030204" pitchFamily="18" charset="0"/>
-                      </a:rPr>
-                      <m:t>=</m:t>
-                    </m:r>
-                    <m:d>
-                      <m:dPr>
-                        <m:begChr m:val="|"/>
-                        <m:endChr m:val="|"/>
-                        <m:ctrlPr>
-                          <a:rPr lang="en-GB" sz="1600" b="1" i="1">
-                            <a:latin typeface="Cambria Math" panose="02040503050406030204" pitchFamily="18" charset="0"/>
-                          </a:rPr>
-                        </m:ctrlPr>
-                      </m:dPr>
-                      <m:e>
-                        <m:d>
-                          <m:dPr>
-                            <m:begChr m:val="|"/>
-                            <m:endChr m:val="|"/>
-                            <m:ctrlPr>
-                              <a:rPr lang="en-GB" sz="1600" b="1" i="1">
-                                <a:latin typeface="Cambria Math" panose="02040503050406030204" pitchFamily="18" charset="0"/>
-                              </a:rPr>
-                            </m:ctrlPr>
-                          </m:dPr>
-                          <m:e>
-                            <m:sSub>
-                              <m:sSubPr>
-                                <m:ctrlPr>
-                                  <a:rPr lang="en-GB" sz="1600" b="1" i="1">
-                                    <a:latin typeface="Cambria Math" panose="02040503050406030204" pitchFamily="18" charset="0"/>
-                                  </a:rPr>
-                                </m:ctrlPr>
-                              </m:sSubPr>
-                              <m:e>
-                                <m:r>
-                                  <a:rPr lang="en-GB" sz="1600" b="1" i="1">
-                                    <a:latin typeface="Cambria Math" panose="02040503050406030204" pitchFamily="18" charset="0"/>
-                                    <a:ea typeface="Cambria Math" panose="02040503050406030204" pitchFamily="18" charset="0"/>
-                                  </a:rPr>
-                                  <m:t>𝜷</m:t>
-                                </m:r>
-                              </m:e>
-                              <m:sub>
-                                <m:r>
-                                  <a:rPr lang="en-GB" sz="1600" b="1" i="1">
-                                    <a:latin typeface="Cambria Math" panose="02040503050406030204" pitchFamily="18" charset="0"/>
-                                  </a:rPr>
-                                  <m:t>𝟎</m:t>
-                                </m:r>
-                              </m:sub>
-                            </m:sSub>
-                          </m:e>
-                        </m:d>
-                      </m:e>
-                    </m:d>
-                    <m:r>
-                      <a:rPr lang="en-GB" sz="1600" b="1" i="1">
-                        <a:latin typeface="Cambria Math" panose="02040503050406030204" pitchFamily="18" charset="0"/>
-                      </a:rPr>
-                      <m:t>+ </m:t>
-                    </m:r>
-                    <m:sSub>
-                      <m:sSubPr>
-                        <m:ctrlPr>
-                          <a:rPr lang="en-GB" sz="1600" b="1" i="1">
-                            <a:latin typeface="Cambria Math" panose="02040503050406030204" pitchFamily="18" charset="0"/>
-                          </a:rPr>
-                        </m:ctrlPr>
-                      </m:sSubPr>
-                      <m:e>
-                        <m:r>
-                          <a:rPr lang="en-GB" sz="1600" b="1" i="1">
-                            <a:latin typeface="Cambria Math" panose="02040503050406030204" pitchFamily="18" charset="0"/>
-                          </a:rPr>
-                          <m:t>||</m:t>
-                        </m:r>
-                        <m:r>
-                          <a:rPr lang="en-GB" sz="1600" b="1" i="1">
-                            <a:latin typeface="Cambria Math" panose="02040503050406030204" pitchFamily="18" charset="0"/>
-                            <a:ea typeface="Cambria Math" panose="02040503050406030204" pitchFamily="18" charset="0"/>
-                          </a:rPr>
-                          <m:t>𝜷</m:t>
-                        </m:r>
-                      </m:e>
-                      <m:sub>
-                        <m:r>
-                          <a:rPr lang="en-GB" sz="1600" b="1" i="1">
-                            <a:latin typeface="Cambria Math" panose="02040503050406030204" pitchFamily="18" charset="0"/>
-                          </a:rPr>
-                          <m:t>𝟏</m:t>
-                        </m:r>
-                      </m:sub>
-                    </m:sSub>
-                    <m:r>
-                      <a:rPr lang="en-GB" sz="1600" b="1" i="1">
-                        <a:latin typeface="Cambria Math" panose="02040503050406030204" pitchFamily="18" charset="0"/>
-                      </a:rPr>
-                      <m:t>||</m:t>
-                    </m:r>
-                  </m:oMath>
                 </a14:m>
                 <a:br>
                   <a:rPr lang="en-GB" sz="1600" b="1" dirty="0">
@@ -7829,7 +7949,7 @@
             </p:txBody>
           </p:sp>
         </mc:Choice>
-        <mc:Fallback xmlns="">
+        <mc:Fallback>
           <p:sp>
             <p:nvSpPr>
               <p:cNvPr id="2" name="Title 1">
@@ -7854,7 +7974,7 @@
               <a:blipFill>
                 <a:blip r:embed="rId2"/>
                 <a:stretch>
-                  <a:fillRect l="-148" t="-28153" r="-8715" b="-10586"/>
+                  <a:fillRect l="-148" t="-20045" r="-8715" b="-18694"/>
                 </a:stretch>
               </a:blipFill>
             </p:spPr>
@@ -9297,8 +9417,8 @@
           <a:chExt cx="0" cy="0"/>
         </a:xfrm>
       </p:grpSpPr>
-      <mc:AlternateContent xmlns:mc="http://schemas.openxmlformats.org/markup-compatibility/2006" xmlns:a14="http://schemas.microsoft.com/office/drawing/2010/main">
-        <mc:Choice Requires="a14">
+      <mc:AlternateContent xmlns:mc="http://schemas.openxmlformats.org/markup-compatibility/2006">
+        <mc:Choice xmlns:a14="http://schemas.microsoft.com/office/drawing/2010/main" Requires="a14">
           <p:sp>
             <p:nvSpPr>
               <p:cNvPr id="2" name="TextBox 1">
@@ -9328,9 +9448,7 @@
               <a:lstStyle/>
               <a:p>
                 <a:r>
-                  <a:rPr lang="en-GB" dirty="0">
-                    <a:latin typeface="Abadi" panose="020B0604020104020204" pitchFamily="34" charset="0"/>
-                  </a:rPr>
+                  <a:rPr lang="en-GB" dirty="0"/>
                   <a:t>LASSO disadvantage:  </a:t>
                 </a:r>
                 <a:br>
@@ -9771,7 +9889,7 @@
             </p:txBody>
           </p:sp>
         </mc:Choice>
-        <mc:Fallback xmlns="">
+        <mc:Fallback>
           <p:sp>
             <p:nvSpPr>
               <p:cNvPr id="2" name="TextBox 1">
@@ -9797,7 +9915,7 @@
               <a:blipFill>
                 <a:blip r:embed="rId2"/>
                 <a:stretch>
-                  <a:fillRect l="-427" t="-1466"/>
+                  <a:fillRect l="-427" t="-1760"/>
                 </a:stretch>
               </a:blipFill>
             </p:spPr>
@@ -10217,7 +10335,7 @@
           <a:p>
             <a:r>
               <a:rPr lang="en-US" dirty="0"/>
-              <a:t>68 percent variability explained in the data</a:t>
+              <a:t>68 percent variability explained in the data [elastic net]</a:t>
             </a:r>
             <a:endParaRPr lang="en-GB" sz="1600" dirty="0">
               <a:latin typeface="Abadi" panose="020B0604020104020204" pitchFamily="34" charset="0"/>
@@ -10287,6 +10405,137 @@
               <a:rPr lang="en-GB" dirty="0"/>
               <a:t>Proposed improvements:</a:t>
             </a:r>
+          </a:p>
+          <a:p>
+            <a:endParaRPr lang="en-GB" dirty="0"/>
+          </a:p>
+        </p:txBody>
+      </p:sp>
+      <p:sp>
+        <p:nvSpPr>
+          <p:cNvPr id="3" name="TextBox 2">
+            <a:extLst>
+              <a:ext uri="{FF2B5EF4-FFF2-40B4-BE49-F238E27FC236}">
+                <a16:creationId xmlns:a16="http://schemas.microsoft.com/office/drawing/2014/main" id="{5DD12D28-4709-47E1-8881-63E6AD6F452C}"/>
+              </a:ext>
+            </a:extLst>
+          </p:cNvPr>
+          <p:cNvSpPr txBox="1"/>
+          <p:nvPr/>
+        </p:nvSpPr>
+        <p:spPr>
+          <a:xfrm>
+            <a:off x="1028700" y="933050"/>
+            <a:ext cx="9838592" cy="3970318"/>
+          </a:xfrm>
+          <a:prstGeom prst="rect">
+            <a:avLst/>
+          </a:prstGeom>
+          <a:noFill/>
+        </p:spPr>
+        <p:txBody>
+          <a:bodyPr wrap="square" rtlCol="0">
+            <a:spAutoFit/>
+          </a:bodyPr>
+          <a:lstStyle/>
+          <a:p>
+            <a:pPr marL="285750" indent="-285750">
+              <a:buFont typeface="Arial" panose="020B0604020202020204" pitchFamily="34" charset="0"/>
+              <a:buChar char="•"/>
+            </a:pPr>
+            <a:r>
+              <a:rPr lang="en-US" dirty="0">
+                <a:latin typeface="Abadi" panose="020B0604020104020204" pitchFamily="34" charset="0"/>
+              </a:rPr>
+              <a:t>We should </a:t>
+            </a:r>
+            <a:r>
+              <a:rPr lang="en-US" dirty="0"/>
+              <a:t>not remove outliers </a:t>
+            </a:r>
+            <a:r>
+              <a:rPr lang="en-US" dirty="0">
+                <a:latin typeface="Abadi" panose="020B0604020104020204" pitchFamily="34" charset="0"/>
+              </a:rPr>
+              <a:t>as we deal with behavior of people, observational study and we do not have enough information to make any decision regards unusual observations. </a:t>
+            </a:r>
+          </a:p>
+          <a:p>
+            <a:pPr marL="285750" indent="-285750">
+              <a:buFont typeface="Arial" panose="020B0604020202020204" pitchFamily="34" charset="0"/>
+              <a:buChar char="•"/>
+            </a:pPr>
+            <a:r>
+              <a:rPr lang="en-US" dirty="0">
+                <a:latin typeface="Abadi" panose="020B0604020104020204" pitchFamily="34" charset="0"/>
+              </a:rPr>
+              <a:t>We can argue that in such big dataset this is quiet often that we</a:t>
+            </a:r>
+            <a:r>
+              <a:rPr lang="en-US" dirty="0"/>
+              <a:t> expect cases larger than 3 standard deviations from the mean </a:t>
+            </a:r>
+            <a:r>
+              <a:rPr lang="en-US" dirty="0">
+                <a:latin typeface="Abadi" panose="020B0604020104020204" pitchFamily="34" charset="0"/>
+              </a:rPr>
+              <a:t>we should not remove the 0 or 1 at the beginning</a:t>
+            </a:r>
+          </a:p>
+          <a:p>
+            <a:pPr marL="285750" indent="-285750">
+              <a:buFont typeface="Arial" panose="020B0604020202020204" pitchFamily="34" charset="0"/>
+              <a:buChar char="•"/>
+            </a:pPr>
+            <a:r>
+              <a:rPr lang="en-US" dirty="0">
+                <a:latin typeface="Abadi" panose="020B0604020104020204" pitchFamily="34" charset="0"/>
+              </a:rPr>
+              <a:t>The first step performs stochastic linear regression imputation using coefficients for each predictor estimated </a:t>
+            </a:r>
+            <a:r>
+              <a:rPr lang="en-GB" dirty="0">
+                <a:latin typeface="Abadi" panose="020B0604020104020204" pitchFamily="34" charset="0"/>
+              </a:rPr>
+              <a:t>from the data. That</a:t>
+            </a:r>
+            <a:r>
+              <a:rPr lang="en-GB" dirty="0"/>
+              <a:t> shouldn’t be a surprised that we decided to use the first dataset.</a:t>
+            </a:r>
+          </a:p>
+          <a:p>
+            <a:pPr marL="285750" indent="-285750">
+              <a:buFont typeface="Arial" panose="020B0604020202020204" pitchFamily="34" charset="0"/>
+              <a:buChar char="•"/>
+            </a:pPr>
+            <a:r>
+              <a:rPr lang="en-GB" dirty="0">
+                <a:latin typeface="Abadi" panose="020B0604020104020204" pitchFamily="34" charset="0"/>
+              </a:rPr>
+              <a:t>If in final stage I am using shrinkage methods especially LASSO and elastic net that performs variables selection</a:t>
+            </a:r>
+            <a:r>
+              <a:rPr lang="en-GB" dirty="0"/>
+              <a:t> I could keep all variables in the dataset.  </a:t>
+            </a:r>
+          </a:p>
+          <a:p>
+            <a:pPr marL="285750" indent="-285750">
+              <a:buFont typeface="Arial" panose="020B0604020202020204" pitchFamily="34" charset="0"/>
+              <a:buChar char="•"/>
+            </a:pPr>
+            <a:r>
+              <a:rPr lang="en-GB" dirty="0"/>
+              <a:t>In my project I made the mistake claiming in one moment that they are normally distributed and that there is no problem with multicollinearity on page 17. That I corrected on page 18 but I should have removed the previous statement that I didn’t do it. </a:t>
+            </a:r>
+          </a:p>
+          <a:p>
+            <a:pPr marL="285750" indent="-285750">
+              <a:buFont typeface="Arial" panose="020B0604020202020204" pitchFamily="34" charset="0"/>
+              <a:buChar char="•"/>
+            </a:pPr>
+            <a:endParaRPr lang="en-GB" dirty="0"/>
           </a:p>
           <a:p>
             <a:endParaRPr lang="en-GB" dirty="0"/>
@@ -10382,7 +10631,7 @@
         <p:spPr>
           <a:xfrm>
             <a:off x="6881248" y="0"/>
-            <a:ext cx="4572000" cy="5909310"/>
+            <a:ext cx="5004826" cy="5909310"/>
           </a:xfrm>
           <a:prstGeom prst="rect">
             <a:avLst/>
@@ -10395,6 +10644,9 @@
           </a:bodyPr>
           <a:lstStyle/>
           <a:p>
+            <a:endParaRPr lang="en-US" dirty="0"/>
+          </a:p>
+          <a:p>
             <a:r>
               <a:rPr lang="en-US" dirty="0"/>
               <a:t>Main goal: </a:t>
@@ -10403,7 +10655,7 @@
               <a:rPr lang="en-US" dirty="0">
                 <a:latin typeface="Abadi" panose="020B0604020202020204" pitchFamily="34" charset="0"/>
               </a:rPr>
-              <a:t>Investigate what factors can influence the rise of violent crimes in a given population. </a:t>
+              <a:t>Investigate what factors can influence the rise of violent crimes in a given population.  (personality type, demographic variables and geographic locations)</a:t>
             </a:r>
           </a:p>
           <a:p>
@@ -10421,7 +10673,7 @@
           <a:p>
             <a:r>
               <a:rPr lang="en-US" dirty="0"/>
-              <a:t>Techniques: </a:t>
+              <a:t>Techniques: Supervised learning </a:t>
             </a:r>
             <a:r>
               <a:rPr lang="en-US" dirty="0">
@@ -10444,8 +10696,11 @@
               </a:rPr>
               <a:t>128 variables and nearly 2000 observations. The data combines US Census data, law enforcement data and FBI crime data.  There are 9 the most dangerous states including South Carolina and the safest place is North Dakota. </a:t>
             </a:r>
-          </a:p>
-          <a:p>
+            <a:br>
+              <a:rPr lang="en-US" dirty="0">
+                <a:latin typeface="Abadi" panose="020B0604020202020204" pitchFamily="34" charset="0"/>
+              </a:rPr>
+            </a:br>
             <a:r>
               <a:rPr lang="en-US" dirty="0">
                 <a:latin typeface="Abadi" panose="020B0604020202020204" pitchFamily="34" charset="0"/>
@@ -10458,7 +10713,7 @@
               <a:rPr lang="en-US" dirty="0">
                 <a:latin typeface="Abadi" panose="020B0604020202020204" pitchFamily="34" charset="0"/>
               </a:rPr>
-              <a:t>Cities with the biggest urban areas are Minnesota, Tennessee, Wisconsin and North Dakota</a:t>
+              <a:t>Cities with the biggest urban areas are Minnesota, Tennessee, Wisconsin and N. Dakota</a:t>
             </a:r>
             <a:endParaRPr lang="en-GB" dirty="0">
               <a:latin typeface="Abadi" panose="020B0604020202020204" pitchFamily="34" charset="0"/>
@@ -10499,8 +10754,8 @@
           <a:chExt cx="0" cy="0"/>
         </a:xfrm>
       </p:grpSpPr>
-      <mc:AlternateContent xmlns:mc="http://schemas.openxmlformats.org/markup-compatibility/2006" xmlns:a14="http://schemas.microsoft.com/office/drawing/2010/main">
-        <mc:Choice Requires="a14">
+      <mc:AlternateContent xmlns:mc="http://schemas.openxmlformats.org/markup-compatibility/2006">
+        <mc:Choice xmlns:a14="http://schemas.microsoft.com/office/drawing/2010/main" Requires="a14">
           <p:sp>
             <p:nvSpPr>
               <p:cNvPr id="2" name="TextBox 1">
@@ -10515,8 +10770,8 @@
             </p:nvSpPr>
             <p:spPr>
               <a:xfrm>
-                <a:off x="384753" y="151535"/>
-                <a:ext cx="9639300" cy="5185074"/>
+                <a:off x="0" y="-8792"/>
+                <a:ext cx="11808069" cy="6200736"/>
               </a:xfrm>
               <a:prstGeom prst="rect">
                 <a:avLst/>
@@ -10531,7 +10786,13 @@
               <a:p>
                 <a:r>
                   <a:rPr lang="en-GB" dirty="0"/>
-                  <a:t>Mean substitution method: </a:t>
+                  <a:t>Remove: county and community, fold.</a:t>
+                </a:r>
+              </a:p>
+              <a:p>
+                <a:r>
+                  <a:rPr lang="en-GB" dirty="0"/>
+                  <a:t>Mean substitution method (NA&lt;10%): </a:t>
                 </a:r>
                 <a:endParaRPr lang="en-US" dirty="0"/>
               </a:p>
@@ -10669,6 +10930,12 @@
                   <a:ea typeface="+mj-ea"/>
                   <a:cs typeface="+mj-cs"/>
                 </a:endParaRPr>
+              </a:p>
+              <a:p>
+                <a:r>
+                  <a:rPr lang="en-US" dirty="0"/>
+                  <a:t>Correlogram remove 10 variables</a:t>
+                </a:r>
               </a:p>
               <a:p>
                 <a:r>
@@ -10933,7 +11200,13 @@
               <a:p>
                 <a:r>
                   <a:rPr lang="en-US" dirty="0"/>
-                  <a:t>Stochastic regression imputation method:</a:t>
+                  <a:t>Stochastic regression imputation method </a:t>
+                </a:r>
+              </a:p>
+              <a:p>
+                <a:r>
+                  <a:rPr lang="en-US" dirty="0"/>
+                  <a:t>(5 variables with 10%&lt;NA&lt;50%):</a:t>
                 </a:r>
               </a:p>
               <a:p>
@@ -11207,10 +11480,18 @@
                   <a:t>from the data. Then chooses slightly different estimates of these regression coefficients (drawn from each of the coefficients’ posterior distribution), and proceeds into the next imputation. The first step of the next imputation uses the slightly different coefficient estimates. </a:t>
                 </a:r>
               </a:p>
+              <a:p>
+                <a:r>
+                  <a:rPr lang="en-US" sz="1600" dirty="0">
+                    <a:latin typeface="Abadi" panose="020B0604020104020204" pitchFamily="34" charset="0"/>
+                  </a:rPr>
+                  <a:t>Decision of keeping the first imputed dataset. </a:t>
+                </a:r>
+              </a:p>
             </p:txBody>
           </p:sp>
         </mc:Choice>
-        <mc:Fallback xmlns="">
+        <mc:Fallback>
           <p:sp>
             <p:nvSpPr>
               <p:cNvPr id="2" name="TextBox 1">
@@ -11227,8 +11508,8 @@
             </p:nvSpPr>
             <p:spPr>
               <a:xfrm>
-                <a:off x="384753" y="151535"/>
-                <a:ext cx="9639300" cy="5185074"/>
+                <a:off x="0" y="-8792"/>
+                <a:ext cx="11808069" cy="6200736"/>
               </a:xfrm>
               <a:prstGeom prst="rect">
                 <a:avLst/>
@@ -11236,7 +11517,7 @@
               <a:blipFill>
                 <a:blip r:embed="rId3"/>
                 <a:stretch>
-                  <a:fillRect l="-506" t="-706" r="-190"/>
+                  <a:fillRect l="-413" t="-590" b="-393"/>
                 </a:stretch>
               </a:blipFill>
             </p:spPr>
@@ -11271,6 +11552,28 @@
 <file path=ppt/slides/slide4.xml><?xml version="1.0" encoding="utf-8"?>
 <p:sld xmlns:a="http://schemas.openxmlformats.org/drawingml/2006/main" xmlns:r="http://schemas.openxmlformats.org/officeDocument/2006/relationships" xmlns:p="http://schemas.openxmlformats.org/presentationml/2006/main">
   <p:cSld>
+    <p:bg>
+      <p:bgPr>
+        <a:blipFill>
+          <a:blip r:embed="rId3">
+            <a:duotone>
+              <a:schemeClr val="bg1">
+                <a:shade val="48000"/>
+                <a:satMod val="110000"/>
+                <a:lumMod val="40000"/>
+              </a:schemeClr>
+              <a:schemeClr val="bg1">
+                <a:tint val="90000"/>
+                <a:lumMod val="106000"/>
+              </a:schemeClr>
+            </a:duotone>
+            <a:extLst/>
+          </a:blip>
+          <a:stretch/>
+        </a:blipFill>
+        <a:effectLst/>
+      </p:bgPr>
+    </p:bg>
     <p:spTree>
       <p:nvGrpSpPr>
         <p:cNvPr id="1" name=""/>
@@ -11285,6 +11588,284 @@
           <a:chExt cx="0" cy="0"/>
         </a:xfrm>
       </p:grpSpPr>
+      <p:pic>
+        <p:nvPicPr>
+          <p:cNvPr id="12" name="Picture 8">
+            <a:extLst>
+              <a:ext uri="{FF2B5EF4-FFF2-40B4-BE49-F238E27FC236}">
+                <a16:creationId xmlns:a16="http://schemas.microsoft.com/office/drawing/2014/main" id="{91AB8A88-A60F-421C-9564-D5A7639EA589}"/>
+              </a:ext>
+              <a:ext uri="{C183D7F6-B498-43B3-948B-1728B52AA6E4}">
+                <adec:decorative xmlns:adec="http://schemas.microsoft.com/office/drawing/2017/decorative" val="1"/>
+              </a:ext>
+            </a:extLst>
+          </p:cNvPr>
+          <p:cNvPicPr>
+            <a:picLocks noGrp="1" noRot="1" noChangeAspect="1" noMove="1" noResize="1" noEditPoints="1" noAdjustHandles="1" noChangeArrowheads="1" noChangeShapeType="1" noCrop="1"/>
+          </p:cNvPicPr>
+          <p:nvPr>
+            <p:extLst>
+              <p:ext uri="{386F3935-93C4-4BCD-93E2-E3B085C9AB24}">
+                <p16:designElem xmlns:p16="http://schemas.microsoft.com/office/powerpoint/2015/main" val="1"/>
+              </p:ext>
+            </p:extLst>
+          </p:nvPr>
+        </p:nvPicPr>
+        <p:blipFill>
+          <a:blip r:embed="rId4">
+            <a:extLst>
+              <a:ext uri="{28A0092B-C50C-407E-A947-70E740481C1C}">
+                <a14:useLocalDpi xmlns:a14="http://schemas.microsoft.com/office/drawing/2010/main" val="0"/>
+              </a:ext>
+            </a:extLst>
+          </a:blip>
+          <a:stretch>
+            <a:fillRect/>
+          </a:stretch>
+        </p:blipFill>
+        <p:spPr>
+          <a:xfrm>
+            <a:off x="0" y="0"/>
+            <a:ext cx="12192000" cy="6858000"/>
+          </a:xfrm>
+          <a:prstGeom prst="rect">
+            <a:avLst/>
+          </a:prstGeom>
+        </p:spPr>
+      </p:pic>
+      <p:sp useBgFill="1">
+        <p:nvSpPr>
+          <p:cNvPr id="11" name="Rectangle 10">
+            <a:extLst>
+              <a:ext uri="{FF2B5EF4-FFF2-40B4-BE49-F238E27FC236}">
+                <a16:creationId xmlns:a16="http://schemas.microsoft.com/office/drawing/2014/main" id="{832D3A04-3120-4CF3-8F9E-6DCF218BAC59}"/>
+              </a:ext>
+              <a:ext uri="{C183D7F6-B498-43B3-948B-1728B52AA6E4}">
+                <adec:decorative xmlns:adec="http://schemas.microsoft.com/office/drawing/2017/decorative" val="1"/>
+              </a:ext>
+            </a:extLst>
+          </p:cNvPr>
+          <p:cNvSpPr>
+            <a:spLocks noGrp="1" noRot="1" noChangeAspect="1" noMove="1" noResize="1" noEditPoints="1" noAdjustHandles="1" noChangeArrowheads="1" noChangeShapeType="1" noTextEdit="1"/>
+          </p:cNvSpPr>
+          <p:nvPr>
+            <p:extLst>
+              <p:ext uri="{386F3935-93C4-4BCD-93E2-E3B085C9AB24}">
+                <p16:designElem xmlns:p16="http://schemas.microsoft.com/office/powerpoint/2015/main" val="1"/>
+              </p:ext>
+            </p:extLst>
+          </p:nvPr>
+        </p:nvSpPr>
+        <p:spPr>
+          <a:xfrm>
+            <a:off x="1" y="0"/>
+            <a:ext cx="11979952" cy="6644081"/>
+          </a:xfrm>
+          <a:prstGeom prst="rect">
+            <a:avLst/>
+          </a:prstGeom>
+          <a:ln>
+            <a:noFill/>
+          </a:ln>
+          <a:effectLst>
+            <a:outerShdw blurRad="98425" dist="76200" dir="4380000" algn="tl" rotWithShape="0">
+              <a:srgbClr val="000000">
+                <a:alpha val="68000"/>
+              </a:srgbClr>
+            </a:outerShdw>
+          </a:effectLst>
+        </p:spPr>
+        <p:style>
+          <a:lnRef idx="1">
+            <a:schemeClr val="accent1"/>
+          </a:lnRef>
+          <a:fillRef idx="3">
+            <a:schemeClr val="accent1"/>
+          </a:fillRef>
+          <a:effectRef idx="2">
+            <a:schemeClr val="accent1"/>
+          </a:effectRef>
+          <a:fontRef idx="minor">
+            <a:schemeClr val="lt1"/>
+          </a:fontRef>
+        </p:style>
+      </p:sp>
+      <p:pic>
+        <p:nvPicPr>
+          <p:cNvPr id="4" name="Picture 3" descr="A screenshot of a cell phone&#10;&#10;Description generated with very high confidence">
+            <a:extLst>
+              <a:ext uri="{FF2B5EF4-FFF2-40B4-BE49-F238E27FC236}">
+                <a16:creationId xmlns:a16="http://schemas.microsoft.com/office/drawing/2014/main" id="{B174898C-ABEC-4DD3-9651-627BBC6C4E68}"/>
+              </a:ext>
+            </a:extLst>
+          </p:cNvPr>
+          <p:cNvPicPr>
+            <a:picLocks noChangeAspect="1"/>
+          </p:cNvPicPr>
+          <p:nvPr/>
+        </p:nvPicPr>
+        <p:blipFill>
+          <a:blip r:embed="rId5">
+            <a:extLst>
+              <a:ext uri="{28A0092B-C50C-407E-A947-70E740481C1C}">
+                <a14:useLocalDpi xmlns:a14="http://schemas.microsoft.com/office/drawing/2010/main" val="0"/>
+              </a:ext>
+            </a:extLst>
+          </a:blip>
+          <a:stretch>
+            <a:fillRect/>
+          </a:stretch>
+        </p:blipFill>
+        <p:spPr>
+          <a:xfrm>
+            <a:off x="6562455" y="1939691"/>
+            <a:ext cx="4677405" cy="2516432"/>
+          </a:xfrm>
+          <a:prstGeom prst="rect">
+            <a:avLst/>
+          </a:prstGeom>
+          <a:ln>
+            <a:noFill/>
+          </a:ln>
+        </p:spPr>
+      </p:pic>
+      <p:sp>
+        <p:nvSpPr>
+          <p:cNvPr id="13" name="Freeform 9">
+            <a:extLst>
+              <a:ext uri="{FF2B5EF4-FFF2-40B4-BE49-F238E27FC236}">
+                <a16:creationId xmlns:a16="http://schemas.microsoft.com/office/drawing/2014/main" id="{98D68143-E11F-49D9-A842-E52CB4364512}"/>
+              </a:ext>
+              <a:ext uri="{C183D7F6-B498-43B3-948B-1728B52AA6E4}">
+                <adec:decorative xmlns:adec="http://schemas.microsoft.com/office/drawing/2017/decorative" val="1"/>
+              </a:ext>
+            </a:extLst>
+          </p:cNvPr>
+          <p:cNvSpPr>
+            <a:spLocks noGrp="1" noRot="1" noChangeAspect="1" noMove="1" noResize="1" noEditPoints="1" noAdjustHandles="1" noChangeArrowheads="1" noChangeShapeType="1" noTextEdit="1"/>
+          </p:cNvSpPr>
+          <p:nvPr>
+            <p:extLst>
+              <p:ext uri="{386F3935-93C4-4BCD-93E2-E3B085C9AB24}">
+                <p16:designElem xmlns:p16="http://schemas.microsoft.com/office/powerpoint/2015/main" val="1"/>
+              </p:ext>
+            </p:extLst>
+          </p:nvPr>
+        </p:nvSpPr>
+        <p:spPr>
+          <a:xfrm>
+            <a:off x="-25397" y="0"/>
+            <a:ext cx="11773291" cy="6419514"/>
+          </a:xfrm>
+          <a:custGeom>
+            <a:avLst/>
+            <a:gdLst/>
+            <a:ahLst/>
+            <a:cxnLst/>
+            <a:rect l="l" t="t" r="r" b="b"/>
+            <a:pathLst>
+              <a:path w="11773291" h="6419514">
+                <a:moveTo>
+                  <a:pt x="11750059" y="0"/>
+                </a:moveTo>
+                <a:lnTo>
+                  <a:pt x="11773291" y="6419514"/>
+                </a:lnTo>
+                <a:lnTo>
+                  <a:pt x="0" y="6411047"/>
+                </a:lnTo>
+              </a:path>
+            </a:pathLst>
+          </a:custGeom>
+          <a:ln w="82550">
+            <a:solidFill>
+              <a:schemeClr val="tx1">
+                <a:lumMod val="50000"/>
+                <a:lumOff val="50000"/>
+              </a:schemeClr>
+            </a:solidFill>
+            <a:miter lim="800000"/>
+          </a:ln>
+        </p:spPr>
+        <p:style>
+          <a:lnRef idx="2">
+            <a:schemeClr val="accent1"/>
+          </a:lnRef>
+          <a:fillRef idx="0">
+            <a:schemeClr val="accent1"/>
+          </a:fillRef>
+          <a:effectRef idx="1">
+            <a:schemeClr val="accent1"/>
+          </a:effectRef>
+          <a:fontRef idx="minor">
+            <a:schemeClr val="tx1"/>
+          </a:fontRef>
+        </p:style>
+      </p:sp>
+      <p:sp>
+        <p:nvSpPr>
+          <p:cNvPr id="15" name="Rectangle 14">
+            <a:extLst>
+              <a:ext uri="{FF2B5EF4-FFF2-40B4-BE49-F238E27FC236}">
+                <a16:creationId xmlns:a16="http://schemas.microsoft.com/office/drawing/2014/main" id="{70D81F57-CC57-46AD-86A2-54F697BD5904}"/>
+              </a:ext>
+              <a:ext uri="{C183D7F6-B498-43B3-948B-1728B52AA6E4}">
+                <adec:decorative xmlns:adec="http://schemas.microsoft.com/office/drawing/2017/decorative" val="1"/>
+              </a:ext>
+            </a:extLst>
+          </p:cNvPr>
+          <p:cNvSpPr>
+            <a:spLocks noGrp="1" noRot="1" noChangeAspect="1" noMove="1" noResize="1" noEditPoints="1" noAdjustHandles="1" noChangeArrowheads="1" noChangeShapeType="1" noTextEdit="1"/>
+          </p:cNvSpPr>
+          <p:nvPr>
+            <p:extLst>
+              <p:ext uri="{386F3935-93C4-4BCD-93E2-E3B085C9AB24}">
+                <p16:designElem xmlns:p16="http://schemas.microsoft.com/office/powerpoint/2015/main" val="1"/>
+              </p:ext>
+            </p:extLst>
+          </p:nvPr>
+        </p:nvSpPr>
+        <p:spPr bwMode="white">
+          <a:xfrm>
+            <a:off x="0" y="0"/>
+            <a:ext cx="6094412" cy="6380796"/>
+          </a:xfrm>
+          <a:prstGeom prst="rect">
+            <a:avLst/>
+          </a:prstGeom>
+          <a:gradFill flip="none" rotWithShape="1">
+            <a:gsLst>
+              <a:gs pos="34000">
+                <a:schemeClr val="accent1"/>
+              </a:gs>
+              <a:gs pos="100000">
+                <a:schemeClr val="accent1">
+                  <a:lumMod val="60000"/>
+                </a:schemeClr>
+              </a:gs>
+            </a:gsLst>
+            <a:lin ang="8100000" scaled="1"/>
+            <a:tileRect/>
+          </a:gradFill>
+          <a:ln>
+            <a:noFill/>
+          </a:ln>
+        </p:spPr>
+        <p:style>
+          <a:lnRef idx="1">
+            <a:schemeClr val="accent1"/>
+          </a:lnRef>
+          <a:fillRef idx="3">
+            <a:schemeClr val="accent1"/>
+          </a:fillRef>
+          <a:effectRef idx="2">
+            <a:schemeClr val="accent1"/>
+          </a:effectRef>
+          <a:fontRef idx="minor">
+            <a:schemeClr val="lt1"/>
+          </a:fontRef>
+        </p:style>
+      </p:sp>
       <p:sp>
         <p:nvSpPr>
           <p:cNvPr id="2" name="Title 1">
@@ -11303,8 +11884,8 @@
         </p:nvSpPr>
         <p:spPr>
           <a:xfrm>
-            <a:off x="685801" y="685801"/>
-            <a:ext cx="10396882" cy="499820"/>
+            <a:off x="568568" y="45272"/>
+            <a:ext cx="4957275" cy="1146825"/>
           </a:xfrm>
         </p:spPr>
         <p:txBody>
@@ -11314,13 +11895,18 @@
           <a:lstStyle/>
           <a:p>
             <a:r>
-              <a:rPr lang="en-GB" sz="2800" dirty="0">
+              <a:rPr lang="en-GB" sz="4400">
                 <a:solidFill>
-                  <a:schemeClr val="tx1"/>
+                  <a:schemeClr val="bg1"/>
                 </a:solidFill>
               </a:rPr>
               <a:t>Outliers Detection</a:t>
             </a:r>
+            <a:endParaRPr lang="en-GB" sz="4400" dirty="0">
+              <a:solidFill>
+                <a:schemeClr val="bg1"/>
+              </a:solidFill>
+            </a:endParaRPr>
           </a:p>
         </p:txBody>
       </p:sp>
@@ -11342,48 +11928,83 @@
         </p:nvSpPr>
         <p:spPr>
           <a:xfrm>
-            <a:off x="375834" y="1396969"/>
-            <a:ext cx="10394707" cy="3311189"/>
+            <a:off x="444106" y="1119177"/>
+            <a:ext cx="4957273" cy="4921138"/>
           </a:xfrm>
         </p:spPr>
         <p:txBody>
           <a:bodyPr>
-            <a:normAutofit lnSpcReduction="10000"/>
+            <a:normAutofit/>
           </a:bodyPr>
           <a:lstStyle/>
           <a:p>
-            <a:pPr marL="0" defTabSz="457200"/>
-            <a:r>
-              <a:rPr lang="en-GB" sz="1600" dirty="0">
+            <a:pPr marL="0" defTabSz="457200">
+              <a:lnSpc>
+                <a:spcPct val="110000"/>
+              </a:lnSpc>
+            </a:pPr>
+            <a:r>
+              <a:rPr lang="en-GB" sz="1100" dirty="0">
+                <a:solidFill>
+                  <a:schemeClr val="bg1"/>
+                </a:solidFill>
                 <a:latin typeface="Abadi" panose="020B0604020104020204" pitchFamily="34" charset="0"/>
               </a:rPr>
               <a:t>variables are coming from the population we might think should be normally distributed.</a:t>
             </a:r>
           </a:p>
           <a:p>
-            <a:pPr marL="0" defTabSz="457200"/>
-            <a:r>
-              <a:rPr lang="en-GB" sz="1600" dirty="0">
+            <a:pPr marL="0" defTabSz="457200">
+              <a:lnSpc>
+                <a:spcPct val="110000"/>
+              </a:lnSpc>
+            </a:pPr>
+            <a:r>
+              <a:rPr lang="en-GB" sz="1100" dirty="0">
+                <a:solidFill>
+                  <a:schemeClr val="bg1"/>
+                </a:solidFill>
                 <a:latin typeface="Abadi" panose="020B0604020104020204" pitchFamily="34" charset="0"/>
               </a:rPr>
               <a:t>Due to the decision of removing all observations that were 0 or 1 we expect that the problem with outliers is minimalised.</a:t>
             </a:r>
           </a:p>
           <a:p>
-            <a:pPr marL="0" defTabSz="457200"/>
-            <a:r>
-              <a:rPr lang="en-GB" sz="1600" dirty="0">
+            <a:pPr marL="0" defTabSz="457200">
+              <a:lnSpc>
+                <a:spcPct val="110000"/>
+              </a:lnSpc>
+            </a:pPr>
+            <a:r>
+              <a:rPr lang="en-GB" sz="1100" dirty="0">
+                <a:solidFill>
+                  <a:schemeClr val="bg1"/>
+                </a:solidFill>
                 <a:latin typeface="Abadi" panose="020B0604020104020204" pitchFamily="34" charset="0"/>
               </a:rPr>
               <a:t>Methods: </a:t>
             </a:r>
             <a:br>
-              <a:rPr lang="en-GB" sz="1600" dirty="0">
+              <a:rPr lang="en-GB" sz="1100" dirty="0">
+                <a:solidFill>
+                  <a:schemeClr val="bg1"/>
+                </a:solidFill>
                 <a:latin typeface="Abadi" panose="020B0604020104020204" pitchFamily="34" charset="0"/>
               </a:rPr>
             </a:br>
-            <a:r>
-              <a:rPr lang="en-GB" sz="1900" dirty="0">
+            <a:br>
+              <a:rPr lang="en-GB" sz="1100" dirty="0">
+                <a:solidFill>
+                  <a:schemeClr val="bg1"/>
+                </a:solidFill>
+                <a:latin typeface="Abadi" panose="020B0604020104020204" pitchFamily="34" charset="0"/>
+              </a:rPr>
+            </a:br>
+            <a:r>
+              <a:rPr lang="en-GB" sz="1100" dirty="0">
+                <a:solidFill>
+                  <a:schemeClr val="bg1"/>
+                </a:solidFill>
                 <a:latin typeface="+mj-lt"/>
                 <a:ea typeface="+mj-ea"/>
                 <a:cs typeface="+mj-cs"/>
@@ -11391,18 +12012,27 @@
               <a:t>F-statistics from ANOVA </a:t>
             </a:r>
             <a:r>
-              <a:rPr lang="en-GB" sz="1600" dirty="0">
+              <a:rPr lang="en-GB" sz="1100" dirty="0">
+                <a:solidFill>
+                  <a:schemeClr val="bg1"/>
+                </a:solidFill>
                 <a:latin typeface="Abadi" panose="020B0604020104020204" pitchFamily="34" charset="0"/>
               </a:rPr>
-              <a:t>table. Different states may have different tendencies </a:t>
+              <a:t>table. Different states may have different tendencies: Check F-test, remove outliers by calculating mean for given state</a:t>
             </a:r>
             <a:br>
-              <a:rPr lang="en-GB" sz="1600" dirty="0">
+              <a:rPr lang="en-GB" sz="1100" dirty="0">
+                <a:solidFill>
+                  <a:schemeClr val="bg1"/>
+                </a:solidFill>
                 <a:latin typeface="Abadi" panose="020B0604020104020204" pitchFamily="34" charset="0"/>
               </a:rPr>
             </a:br>
             <a:r>
-              <a:rPr lang="en-GB" sz="1900" dirty="0">
+              <a:rPr lang="en-GB" sz="1100" dirty="0">
+                <a:solidFill>
+                  <a:schemeClr val="bg1"/>
+                </a:solidFill>
                 <a:latin typeface="+mj-lt"/>
                 <a:ea typeface="+mj-ea"/>
                 <a:cs typeface="+mj-cs"/>
@@ -11410,16 +12040,84 @@
               <a:t>Tukey method </a:t>
             </a:r>
             <a:r>
-              <a:rPr lang="en-GB" sz="1600" dirty="0">
+              <a:rPr lang="en-GB" sz="1100" dirty="0">
+                <a:solidFill>
+                  <a:schemeClr val="bg1"/>
+                </a:solidFill>
                 <a:latin typeface="Abadi" panose="020B0604020104020204" pitchFamily="34" charset="0"/>
               </a:rPr>
-              <a:t>That uses quartiles which are resistant to extreme values. The Tukey’s method is good for skewed data as it is nonparametric method. the more skewed the data, the more observations may be detected as outliers.</a:t>
-            </a:r>
-          </a:p>
-          <a:p>
-            <a:pPr marL="0" defTabSz="457200"/>
-            <a:r>
-              <a:rPr lang="en-GB" sz="1600" dirty="0">
+              <a:t>That uses quartiles which are resistant to extreme values. The Tukey’s method is good for skewed data as it does not depends on mean or variance. </a:t>
+            </a:r>
+            <a:r>
+              <a:rPr lang="en-US" sz="1100" dirty="0">
+                <a:solidFill>
+                  <a:schemeClr val="bg1"/>
+                </a:solidFill>
+                <a:latin typeface="Abadi" panose="020B0604020104020204" pitchFamily="34" charset="0"/>
+              </a:rPr>
+              <a:t>Removing outliers if No. of removed observations &lt;10% or more if it cleans nicely after first iteration. </a:t>
+            </a:r>
+            <a:r>
+              <a:rPr lang="en-GB" sz="1100" dirty="0">
+                <a:solidFill>
+                  <a:schemeClr val="bg1"/>
+                </a:solidFill>
+                <a:latin typeface="Abadi" panose="020B0604020104020204" pitchFamily="34" charset="0"/>
+              </a:rPr>
+              <a:t>the more skewed the data, the more observations may be detected as outliers.</a:t>
+            </a:r>
+          </a:p>
+          <a:p>
+            <a:pPr marL="0" defTabSz="457200">
+              <a:lnSpc>
+                <a:spcPct val="110000"/>
+              </a:lnSpc>
+            </a:pPr>
+            <a:r>
+              <a:rPr lang="en-US" sz="1100" dirty="0">
+                <a:solidFill>
+                  <a:schemeClr val="bg1"/>
+                </a:solidFill>
+                <a:latin typeface="Abadi" panose="020B0604020104020204" pitchFamily="34" charset="0"/>
+              </a:rPr>
+              <a:t>7 variables checked on </a:t>
+            </a:r>
+            <a:r>
+              <a:rPr lang="en-US" sz="1100" b="1" dirty="0">
+                <a:solidFill>
+                  <a:schemeClr val="bg1"/>
+                </a:solidFill>
+                <a:latin typeface="Abadi" panose="020B0604020104020204" pitchFamily="34" charset="0"/>
+              </a:rPr>
+              <a:t>scatterplot and density plots </a:t>
+            </a:r>
+            <a:r>
+              <a:rPr lang="en-US" sz="1100" dirty="0">
+                <a:solidFill>
+                  <a:schemeClr val="bg1"/>
+                </a:solidFill>
+                <a:latin typeface="Abadi" panose="020B0604020104020204" pitchFamily="34" charset="0"/>
+              </a:rPr>
+              <a:t>to understand further. Decision of removing 4 variables. </a:t>
+            </a:r>
+            <a:endParaRPr lang="en-GB" sz="1100" dirty="0">
+              <a:solidFill>
+                <a:schemeClr val="bg1"/>
+              </a:solidFill>
+              <a:latin typeface="Abadi" panose="020B0604020104020204" pitchFamily="34" charset="0"/>
+            </a:endParaRPr>
+          </a:p>
+          <a:p>
+            <a:pPr marL="0" defTabSz="457200">
+              <a:lnSpc>
+                <a:spcPct val="110000"/>
+              </a:lnSpc>
+            </a:pPr>
+            <a:r>
+              <a:rPr lang="en-GB" sz="1100" dirty="0">
+                <a:solidFill>
+                  <a:schemeClr val="bg1"/>
+                </a:solidFill>
                 <a:latin typeface="Abadi" panose="020B0604020104020204" pitchFamily="34" charset="0"/>
               </a:rPr>
               <a:t>Without knowledge of the geographic area, we cannot say if the specific record is an outlier or not hence the decision of leaving the variables without cleaning.</a:t>
@@ -12128,7 +12826,7 @@
         <p:spPr>
           <a:xfrm>
             <a:off x="1635369" y="140677"/>
-            <a:ext cx="9425354" cy="369332"/>
+            <a:ext cx="9425354" cy="646331"/>
           </a:xfrm>
           <a:prstGeom prst="rect">
             <a:avLst/>
@@ -12140,6 +12838,9 @@
             <a:spAutoFit/>
           </a:bodyPr>
           <a:lstStyle/>
+          <a:p>
+            <a:endParaRPr lang="en-GB" dirty="0"/>
+          </a:p>
           <a:p>
             <a:r>
               <a:rPr lang="en-GB" dirty="0"/>
@@ -12167,7 +12868,7 @@
     <p:bg>
       <p:bgPr>
         <a:blipFill>
-          <a:blip r:embed="rId2">
+          <a:blip r:embed="rId3">
             <a:duotone>
               <a:schemeClr val="bg1">
                 <a:shade val="48000"/>
@@ -12224,7 +12925,7 @@
           </p:nvPr>
         </p:nvPicPr>
         <p:blipFill>
-          <a:blip r:embed="rId3">
+          <a:blip r:embed="rId4">
             <a:extLst>
               <a:ext uri="{28A0092B-C50C-407E-A947-70E740481C1C}">
                 <a14:useLocalDpi xmlns:a14="http://schemas.microsoft.com/office/drawing/2010/main" val="0"/>
@@ -12663,7 +13364,7 @@
           </p:nvPr>
         </p:nvPicPr>
         <p:blipFill>
-          <a:blip r:embed="rId3">
+          <a:blip r:embed="rId4">
             <a:extLst>
               <a:ext uri="{28A0092B-C50C-407E-A947-70E740481C1C}">
                 <a14:useLocalDpi xmlns:a14="http://schemas.microsoft.com/office/drawing/2010/main" val="0"/>
@@ -12948,7 +13649,7 @@
           <p:nvPr/>
         </p:nvPicPr>
         <p:blipFill>
-          <a:blip r:embed="rId4">
+          <a:blip r:embed="rId5">
             <a:extLst>
               <a:ext uri="{28A0092B-C50C-407E-A947-70E740481C1C}">
                 <a14:useLocalDpi xmlns:a14="http://schemas.microsoft.com/office/drawing/2010/main" val="0"/>
@@ -12984,7 +13685,7 @@
           <p:nvPr/>
         </p:nvPicPr>
         <p:blipFill>
-          <a:blip r:embed="rId5">
+          <a:blip r:embed="rId6">
             <a:extLst>
               <a:ext uri="{28A0092B-C50C-407E-A947-70E740481C1C}">
                 <a14:useLocalDpi xmlns:a14="http://schemas.microsoft.com/office/drawing/2010/main" val="0"/>
@@ -13020,7 +13721,7 @@
           <p:nvPr/>
         </p:nvPicPr>
         <p:blipFill>
-          <a:blip r:embed="rId6">
+          <a:blip r:embed="rId7">
             <a:extLst>
               <a:ext uri="{28A0092B-C50C-407E-A947-70E740481C1C}">
                 <a14:useLocalDpi xmlns:a14="http://schemas.microsoft.com/office/drawing/2010/main" val="0"/>
@@ -13056,7 +13757,7 @@
         <p:spPr>
           <a:xfrm>
             <a:off x="685912" y="4714814"/>
-            <a:ext cx="10818199" cy="1075211"/>
+            <a:ext cx="10818199" cy="2045898"/>
           </a:xfrm>
           <a:prstGeom prst="rect">
             <a:avLst/>
@@ -13064,7 +13765,7 @@
         </p:spPr>
         <p:txBody>
           <a:bodyPr vert="horz" lIns="91440" tIns="45720" rIns="91440" bIns="45720" rtlCol="0" anchor="b">
-            <a:normAutofit fontScale="77500" lnSpcReduction="20000"/>
+            <a:normAutofit fontScale="47500" lnSpcReduction="20000"/>
           </a:bodyPr>
           <a:lstStyle/>
           <a:p>
@@ -13143,6 +13844,88 @@
               </a:rPr>
               <a:t>Normality assumption violated the data is heavily skewed</a:t>
             </a:r>
+          </a:p>
+          <a:p>
+            <a:pPr algn="ctr"/>
+            <a:r>
+              <a:rPr lang="en-US" sz="3300" cap="all" dirty="0">
+                <a:solidFill>
+                  <a:schemeClr val="accent1"/>
+                </a:solidFill>
+              </a:rPr>
+              <a:t>Problem with not constant variance and non-linearity we may try to overcome using log transformation.</a:t>
+            </a:r>
+          </a:p>
+          <a:p>
+            <a:pPr algn="ctr"/>
+            <a:r>
+              <a:rPr lang="en-US" sz="3300" cap="all" dirty="0">
+                <a:solidFill>
+                  <a:schemeClr val="accent1"/>
+                </a:solidFill>
+              </a:rPr>
+              <a:t>Shapiro - Wilk test of normality</a:t>
+            </a:r>
+          </a:p>
+          <a:p>
+            <a:pPr marL="571500" indent="-571500">
+              <a:buFont typeface="Arial" panose="020B0604020202020204" pitchFamily="34" charset="0"/>
+              <a:buChar char="•"/>
+            </a:pPr>
+            <a:r>
+              <a:rPr lang="en-US" sz="3600" dirty="0"/>
+              <a:t>Assumption 1: The Y-values are independent is met</a:t>
+            </a:r>
+          </a:p>
+          <a:p>
+            <a:pPr marL="571500" indent="-571500">
+              <a:buFont typeface="Arial" panose="020B0604020202020204" pitchFamily="34" charset="0"/>
+              <a:buChar char="•"/>
+            </a:pPr>
+            <a:r>
+              <a:rPr lang="en-US" sz="3600" dirty="0"/>
+              <a:t>Assumption 2: The Y-values can be expressed as a linear function of the X-variable is met</a:t>
+            </a:r>
+          </a:p>
+          <a:p>
+            <a:pPr marL="571500" indent="-571500">
+              <a:buFont typeface="Arial" panose="020B0604020202020204" pitchFamily="34" charset="0"/>
+              <a:buChar char="•"/>
+            </a:pPr>
+            <a:r>
+              <a:rPr lang="en-US" sz="3600" dirty="0"/>
+              <a:t>Assumption 3: Variation of observations around the regression line is constant is met. </a:t>
+            </a:r>
+            <a:endParaRPr lang="en-GB" sz="3600" dirty="0"/>
+          </a:p>
+          <a:p>
+            <a:pPr algn="ctr"/>
+            <a:endParaRPr lang="en-US" sz="3300" cap="all" dirty="0">
+              <a:solidFill>
+                <a:schemeClr val="accent1"/>
+              </a:solidFill>
+            </a:endParaRPr>
+          </a:p>
+          <a:p>
+            <a:pPr algn="ctr" defTabSz="914400">
+              <a:lnSpc>
+                <a:spcPct val="90000"/>
+              </a:lnSpc>
+              <a:spcBef>
+                <a:spcPct val="0"/>
+              </a:spcBef>
+              <a:spcAft>
+                <a:spcPts val="600"/>
+              </a:spcAft>
+            </a:pPr>
+            <a:endParaRPr lang="en-US" sz="3200" cap="all" dirty="0">
+              <a:solidFill>
+                <a:schemeClr val="accent1"/>
+              </a:solidFill>
+              <a:latin typeface="+mj-lt"/>
+              <a:ea typeface="+mj-ea"/>
+              <a:cs typeface="+mj-cs"/>
+            </a:endParaRPr>
           </a:p>
         </p:txBody>
       </p:sp>
@@ -13161,7 +13944,7 @@
           <p:nvPr/>
         </p:nvPicPr>
         <p:blipFill>
-          <a:blip r:embed="rId7">
+          <a:blip r:embed="rId8">
             <a:extLst>
               <a:ext uri="{28A0092B-C50C-407E-A947-70E740481C1C}">
                 <a14:useLocalDpi xmlns:a14="http://schemas.microsoft.com/office/drawing/2010/main" val="0"/>
@@ -13274,7 +14057,7 @@
         <p:spPr>
           <a:xfrm>
             <a:off x="7237708" y="278969"/>
-            <a:ext cx="4370523" cy="2800767"/>
+            <a:ext cx="4370523" cy="3816429"/>
           </a:xfrm>
           <a:prstGeom prst="rect">
             <a:avLst/>
@@ -13357,6 +14140,55 @@
             <a:r>
               <a:rPr lang="en-GB" sz="1100" dirty="0"/>
               <a:t>have changed behaviour a bit. </a:t>
+            </a:r>
+          </a:p>
+          <a:p>
+            <a:endParaRPr lang="en-GB" sz="1100" dirty="0"/>
+          </a:p>
+          <a:p>
+            <a:r>
+              <a:rPr lang="en-GB" sz="1100" dirty="0"/>
+              <a:t>The most important features</a:t>
+            </a:r>
+          </a:p>
+          <a:p>
+            <a:pPr indent="-171450">
+              <a:buFont typeface="Arial" panose="020B0604020202020204" pitchFamily="34" charset="0"/>
+              <a:buChar char="•"/>
+            </a:pPr>
+            <a:r>
+              <a:rPr lang="en-GB" sz="1100" dirty="0"/>
+              <a:t>per capita income</a:t>
+            </a:r>
+          </a:p>
+          <a:p>
+            <a:pPr indent="-171450">
+              <a:buFont typeface="Arial" panose="020B0604020202020204" pitchFamily="34" charset="0"/>
+              <a:buChar char="•"/>
+            </a:pPr>
+            <a:r>
+              <a:rPr lang="en-US" sz="1100" dirty="0"/>
+              <a:t>percentage of households with investment / rent income</a:t>
+            </a:r>
+          </a:p>
+          <a:p>
+            <a:pPr indent="-171450">
+              <a:buFont typeface="Arial" panose="020B0604020202020204" pitchFamily="34" charset="0"/>
+              <a:buChar char="•"/>
+            </a:pPr>
+            <a:r>
+              <a:rPr lang="en-US" sz="1100" dirty="0"/>
+              <a:t>percentage of kids in family housing with two parents</a:t>
+            </a:r>
+          </a:p>
+          <a:p>
+            <a:pPr marL="171450" indent="-171450">
+              <a:buFont typeface="Arial" panose="020B0604020202020204" pitchFamily="34" charset="0"/>
+              <a:buChar char="•"/>
+            </a:pPr>
+            <a:r>
+              <a:rPr lang="en-GB" sz="1100" dirty="0"/>
+              <a:t>Land Area, </a:t>
             </a:r>
           </a:p>
           <a:p>
@@ -13710,8 +14542,8 @@
           <a:chExt cx="0" cy="0"/>
         </a:xfrm>
       </p:grpSpPr>
-      <mc:AlternateContent xmlns:mc="http://schemas.openxmlformats.org/markup-compatibility/2006" xmlns:a14="http://schemas.microsoft.com/office/drawing/2010/main">
-        <mc:Choice Requires="a14">
+      <mc:AlternateContent xmlns:mc="http://schemas.openxmlformats.org/markup-compatibility/2006">
+        <mc:Choice xmlns:a14="http://schemas.microsoft.com/office/drawing/2010/main" Requires="a14">
           <p:sp>
             <p:nvSpPr>
               <p:cNvPr id="2" name="TextBox 1">
@@ -13727,7 +14559,7 @@
             <p:spPr>
               <a:xfrm>
                 <a:off x="364210" y="0"/>
-                <a:ext cx="10346410" cy="5524333"/>
+                <a:ext cx="10346410" cy="5659306"/>
               </a:xfrm>
               <a:prstGeom prst="rect">
                 <a:avLst/>
@@ -13739,6 +14571,9 @@
                 <a:spAutoFit/>
               </a:bodyPr>
               <a:lstStyle/>
+              <a:p>
+                <a:endParaRPr lang="en-GB" dirty="0"/>
+              </a:p>
               <a:p>
                 <a:r>
                   <a:rPr lang="en-GB" dirty="0"/>
@@ -14105,7 +14940,7 @@
                   <a:rPr lang="en-GB" dirty="0">
                     <a:latin typeface="Abadi" panose="020B0604020104020204" pitchFamily="34" charset="0"/>
                   </a:rPr>
-                  <a:t>Yes, in shrinkage methods we want to include some bias to reduce variance. The reason is that if we have variables that are highly correlated so both increase or decrease at the same time. That’s mean that the standard error of the coefficients will be very high. Another problem is that we can run into situation were does not exists the inverse of </a:t>
+                  <a:t>Yes, in shrinkage methods we want to include some bias to reduce variance. The reason is that if we have variables that are highly correlated so both increase or decrease at the same time. That’s mean that the standard error of the coefficients in OLS will be very high. Another problem is that we can run into situation were does not exists the inverse of </a:t>
                 </a:r>
                 <a14:m>
                   <m:oMath xmlns:m="http://schemas.openxmlformats.org/officeDocument/2006/math">
@@ -14184,7 +15019,7 @@
                   <a:rPr lang="en-GB" dirty="0">
                     <a:latin typeface="Abadi" panose="020B0604020104020204" pitchFamily="34" charset="0"/>
                   </a:rPr>
-                  <a:t> and as we know </a:t>
+                  <a:t> and as we know in OLS:</a:t>
                 </a:r>
               </a:p>
               <a:p>
@@ -14641,7 +15476,7 @@
             </p:txBody>
           </p:sp>
         </mc:Choice>
-        <mc:Fallback xmlns="">
+        <mc:Fallback>
           <p:sp>
             <p:nvSpPr>
               <p:cNvPr id="2" name="TextBox 1">
@@ -14659,7 +15494,7 @@
             <p:spPr>
               <a:xfrm>
                 <a:off x="364210" y="0"/>
-                <a:ext cx="10346410" cy="5524333"/>
+                <a:ext cx="10346410" cy="5659306"/>
               </a:xfrm>
               <a:prstGeom prst="rect">
                 <a:avLst/>
@@ -14667,7 +15502,7 @@
               <a:blipFill>
                 <a:blip r:embed="rId2"/>
                 <a:stretch>
-                  <a:fillRect l="-530" t="-552" r="-1120"/>
+                  <a:fillRect l="-530" r="-1120"/>
                 </a:stretch>
               </a:blipFill>
             </p:spPr>

--- a/AdvancedRegressionTechniques.pptx
+++ b/AdvancedRegressionTechniques.pptx
@@ -211,7 +211,7 @@
           <a:p>
             <a:fld id="{92FC0CF9-1300-49EA-BCF3-38127073315F}" type="datetimeFigureOut">
               <a:rPr lang="en-GB" smtClean="0"/>
-              <a:t>03/06/2018</a:t>
+              <a:t>04/06/2018</a:t>
             </a:fld>
             <a:endParaRPr lang="en-GB"/>
           </a:p>
@@ -1451,7 +1451,7 @@
           <a:p>
             <a:fld id="{A6EEF93D-D190-4EF3-96E7-3170E9A95CD5}" type="datetimeFigureOut">
               <a:rPr lang="en-GB" smtClean="0"/>
-              <a:t>03/06/2018</a:t>
+              <a:t>04/06/2018</a:t>
             </a:fld>
             <a:endParaRPr lang="en-GB"/>
           </a:p>
@@ -1788,7 +1788,7 @@
           <a:p>
             <a:fld id="{A6EEF93D-D190-4EF3-96E7-3170E9A95CD5}" type="datetimeFigureOut">
               <a:rPr lang="en-GB" smtClean="0"/>
-              <a:t>03/06/2018</a:t>
+              <a:t>04/06/2018</a:t>
             </a:fld>
             <a:endParaRPr lang="en-GB"/>
           </a:p>
@@ -1984,7 +1984,7 @@
           <a:p>
             <a:fld id="{A6EEF93D-D190-4EF3-96E7-3170E9A95CD5}" type="datetimeFigureOut">
               <a:rPr lang="en-GB" smtClean="0"/>
-              <a:t>03/06/2018</a:t>
+              <a:t>04/06/2018</a:t>
             </a:fld>
             <a:endParaRPr lang="en-GB"/>
           </a:p>
@@ -2254,7 +2254,7 @@
           <a:p>
             <a:fld id="{A6EEF93D-D190-4EF3-96E7-3170E9A95CD5}" type="datetimeFigureOut">
               <a:rPr lang="en-GB" smtClean="0"/>
-              <a:t>03/06/2018</a:t>
+              <a:t>04/06/2018</a:t>
             </a:fld>
             <a:endParaRPr lang="en-GB"/>
           </a:p>
@@ -2682,7 +2682,7 @@
           <a:p>
             <a:fld id="{A6EEF93D-D190-4EF3-96E7-3170E9A95CD5}" type="datetimeFigureOut">
               <a:rPr lang="en-GB" smtClean="0"/>
-              <a:t>03/06/2018</a:t>
+              <a:t>04/06/2018</a:t>
             </a:fld>
             <a:endParaRPr lang="en-GB"/>
           </a:p>
@@ -3232,7 +3232,7 @@
           <a:p>
             <a:fld id="{A6EEF93D-D190-4EF3-96E7-3170E9A95CD5}" type="datetimeFigureOut">
               <a:rPr lang="en-GB" smtClean="0"/>
-              <a:t>03/06/2018</a:t>
+              <a:t>04/06/2018</a:t>
             </a:fld>
             <a:endParaRPr lang="en-GB"/>
           </a:p>
@@ -4022,7 +4022,7 @@
           <a:p>
             <a:fld id="{A6EEF93D-D190-4EF3-96E7-3170E9A95CD5}" type="datetimeFigureOut">
               <a:rPr lang="en-GB" smtClean="0"/>
-              <a:t>03/06/2018</a:t>
+              <a:t>04/06/2018</a:t>
             </a:fld>
             <a:endParaRPr lang="en-GB"/>
           </a:p>
@@ -4201,7 +4201,7 @@
           <a:p>
             <a:fld id="{A6EEF93D-D190-4EF3-96E7-3170E9A95CD5}" type="datetimeFigureOut">
               <a:rPr lang="en-GB" smtClean="0"/>
-              <a:t>03/06/2018</a:t>
+              <a:t>04/06/2018</a:t>
             </a:fld>
             <a:endParaRPr lang="en-GB"/>
           </a:p>
@@ -4385,7 +4385,7 @@
           <a:p>
             <a:fld id="{A6EEF93D-D190-4EF3-96E7-3170E9A95CD5}" type="datetimeFigureOut">
               <a:rPr lang="en-GB" smtClean="0"/>
-              <a:t>03/06/2018</a:t>
+              <a:t>04/06/2018</a:t>
             </a:fld>
             <a:endParaRPr lang="en-GB"/>
           </a:p>
@@ -4560,7 +4560,7 @@
           <a:p>
             <a:fld id="{A6EEF93D-D190-4EF3-96E7-3170E9A95CD5}" type="datetimeFigureOut">
               <a:rPr lang="en-GB" smtClean="0"/>
-              <a:t>03/06/2018</a:t>
+              <a:t>04/06/2018</a:t>
             </a:fld>
             <a:endParaRPr lang="en-GB"/>
           </a:p>
@@ -4810,7 +4810,7 @@
           <a:p>
             <a:fld id="{A6EEF93D-D190-4EF3-96E7-3170E9A95CD5}" type="datetimeFigureOut">
               <a:rPr lang="en-GB" smtClean="0"/>
-              <a:t>03/06/2018</a:t>
+              <a:t>04/06/2018</a:t>
             </a:fld>
             <a:endParaRPr lang="en-GB"/>
           </a:p>
@@ -5052,7 +5052,7 @@
           <a:p>
             <a:fld id="{A6EEF93D-D190-4EF3-96E7-3170E9A95CD5}" type="datetimeFigureOut">
               <a:rPr lang="en-GB" smtClean="0"/>
-              <a:t>03/06/2018</a:t>
+              <a:t>04/06/2018</a:t>
             </a:fld>
             <a:endParaRPr lang="en-GB"/>
           </a:p>
@@ -5437,7 +5437,7 @@
           <a:p>
             <a:fld id="{A6EEF93D-D190-4EF3-96E7-3170E9A95CD5}" type="datetimeFigureOut">
               <a:rPr lang="en-GB" smtClean="0"/>
-              <a:t>03/06/2018</a:t>
+              <a:t>04/06/2018</a:t>
             </a:fld>
             <a:endParaRPr lang="en-GB"/>
           </a:p>
@@ -5555,7 +5555,7 @@
           <a:p>
             <a:fld id="{A6EEF93D-D190-4EF3-96E7-3170E9A95CD5}" type="datetimeFigureOut">
               <a:rPr lang="en-GB" smtClean="0"/>
-              <a:t>03/06/2018</a:t>
+              <a:t>04/06/2018</a:t>
             </a:fld>
             <a:endParaRPr lang="en-GB"/>
           </a:p>
@@ -5650,7 +5650,7 @@
           <a:p>
             <a:fld id="{A6EEF93D-D190-4EF3-96E7-3170E9A95CD5}" type="datetimeFigureOut">
               <a:rPr lang="en-GB" smtClean="0"/>
-              <a:t>03/06/2018</a:t>
+              <a:t>04/06/2018</a:t>
             </a:fld>
             <a:endParaRPr lang="en-GB"/>
           </a:p>
@@ -5908,7 +5908,7 @@
           <a:p>
             <a:fld id="{A6EEF93D-D190-4EF3-96E7-3170E9A95CD5}" type="datetimeFigureOut">
               <a:rPr lang="en-GB" smtClean="0"/>
-              <a:t>03/06/2018</a:t>
+              <a:t>04/06/2018</a:t>
             </a:fld>
             <a:endParaRPr lang="en-GB"/>
           </a:p>
@@ -6177,7 +6177,7 @@
           <a:p>
             <a:fld id="{A6EEF93D-D190-4EF3-96E7-3170E9A95CD5}" type="datetimeFigureOut">
               <a:rPr lang="en-GB" smtClean="0"/>
-              <a:t>03/06/2018</a:t>
+              <a:t>04/06/2018</a:t>
             </a:fld>
             <a:endParaRPr lang="en-GB"/>
           </a:p>
@@ -6580,7 +6580,7 @@
           <a:p>
             <a:fld id="{A6EEF93D-D190-4EF3-96E7-3170E9A95CD5}" type="datetimeFigureOut">
               <a:rPr lang="en-GB" smtClean="0"/>
-              <a:t>03/06/2018</a:t>
+              <a:t>04/06/2018</a:t>
             </a:fld>
             <a:endParaRPr lang="en-GB"/>
           </a:p>
@@ -7076,7 +7076,7 @@
                   <a:schemeClr val="tx1"/>
                 </a:solidFill>
               </a:rPr>
-              <a:t>Advanced Regression Techniques </a:t>
+              <a:t>Shrinkage Methods in Machine Learning</a:t>
             </a:r>
           </a:p>
         </p:txBody>
@@ -7139,8 +7139,8 @@
           <a:chExt cx="0" cy="0"/>
         </a:xfrm>
       </p:grpSpPr>
-      <mc:AlternateContent xmlns:mc="http://schemas.openxmlformats.org/markup-compatibility/2006">
-        <mc:Choice xmlns:a14="http://schemas.microsoft.com/office/drawing/2010/main" Requires="a14">
+      <mc:AlternateContent xmlns:mc="http://schemas.openxmlformats.org/markup-compatibility/2006" xmlns:a14="http://schemas.microsoft.com/office/drawing/2010/main">
+        <mc:Choice Requires="a14">
           <p:sp>
             <p:nvSpPr>
               <p:cNvPr id="2" name="Title 1">
@@ -7949,7 +7949,7 @@
             </p:txBody>
           </p:sp>
         </mc:Choice>
-        <mc:Fallback>
+        <mc:Fallback xmlns="">
           <p:sp>
             <p:nvSpPr>
               <p:cNvPr id="2" name="Title 1">
@@ -9417,8 +9417,8 @@
           <a:chExt cx="0" cy="0"/>
         </a:xfrm>
       </p:grpSpPr>
-      <mc:AlternateContent xmlns:mc="http://schemas.openxmlformats.org/markup-compatibility/2006">
-        <mc:Choice xmlns:a14="http://schemas.microsoft.com/office/drawing/2010/main" Requires="a14">
+      <mc:AlternateContent xmlns:mc="http://schemas.openxmlformats.org/markup-compatibility/2006" xmlns:a14="http://schemas.microsoft.com/office/drawing/2010/main">
+        <mc:Choice Requires="a14">
           <p:sp>
             <p:nvSpPr>
               <p:cNvPr id="2" name="TextBox 1">
@@ -9889,7 +9889,7 @@
             </p:txBody>
           </p:sp>
         </mc:Choice>
-        <mc:Fallback>
+        <mc:Fallback xmlns="">
           <p:sp>
             <p:nvSpPr>
               <p:cNvPr id="2" name="TextBox 1">
@@ -10754,8 +10754,8 @@
           <a:chExt cx="0" cy="0"/>
         </a:xfrm>
       </p:grpSpPr>
-      <mc:AlternateContent xmlns:mc="http://schemas.openxmlformats.org/markup-compatibility/2006">
-        <mc:Choice xmlns:a14="http://schemas.microsoft.com/office/drawing/2010/main" Requires="a14">
+      <mc:AlternateContent xmlns:mc="http://schemas.openxmlformats.org/markup-compatibility/2006" xmlns:a14="http://schemas.microsoft.com/office/drawing/2010/main">
+        <mc:Choice Requires="a14">
           <p:sp>
             <p:nvSpPr>
               <p:cNvPr id="2" name="TextBox 1">
@@ -11491,7 +11491,7 @@
             </p:txBody>
           </p:sp>
         </mc:Choice>
-        <mc:Fallback>
+        <mc:Fallback xmlns="">
           <p:sp>
             <p:nvSpPr>
               <p:cNvPr id="2" name="TextBox 1">
@@ -14542,8 +14542,8 @@
           <a:chExt cx="0" cy="0"/>
         </a:xfrm>
       </p:grpSpPr>
-      <mc:AlternateContent xmlns:mc="http://schemas.openxmlformats.org/markup-compatibility/2006">
-        <mc:Choice xmlns:a14="http://schemas.microsoft.com/office/drawing/2010/main" Requires="a14">
+      <mc:AlternateContent xmlns:mc="http://schemas.openxmlformats.org/markup-compatibility/2006" xmlns:a14="http://schemas.microsoft.com/office/drawing/2010/main">
+        <mc:Choice Requires="a14">
           <p:sp>
             <p:nvSpPr>
               <p:cNvPr id="2" name="TextBox 1">
@@ -15476,7 +15476,7 @@
             </p:txBody>
           </p:sp>
         </mc:Choice>
-        <mc:Fallback>
+        <mc:Fallback xmlns="">
           <p:sp>
             <p:nvSpPr>
               <p:cNvPr id="2" name="TextBox 1">
